--- a/Materials/Presentation1.pptx
+++ b/Materials/Presentation1.pptx
@@ -920,7 +920,7 @@
           <a:p>
             <a:fld id="{BE8D4106-8180-4463-B9AE-90DCAAF0C0AE}" type="datetimeFigureOut">
               <a:rPr lang="en-US" smtClean="0"/>
-              <a:t>8/10/2019</a:t>
+              <a:t>8/11/2019</a:t>
             </a:fld>
             <a:endParaRPr lang="en-US"/>
           </a:p>
@@ -1118,7 +1118,7 @@
           <a:p>
             <a:fld id="{BE8D4106-8180-4463-B9AE-90DCAAF0C0AE}" type="datetimeFigureOut">
               <a:rPr lang="en-US" smtClean="0"/>
-              <a:t>8/10/2019</a:t>
+              <a:t>8/11/2019</a:t>
             </a:fld>
             <a:endParaRPr lang="en-US"/>
           </a:p>
@@ -1326,7 +1326,7 @@
           <a:p>
             <a:fld id="{BE8D4106-8180-4463-B9AE-90DCAAF0C0AE}" type="datetimeFigureOut">
               <a:rPr lang="en-US" smtClean="0"/>
-              <a:t>8/10/2019</a:t>
+              <a:t>8/11/2019</a:t>
             </a:fld>
             <a:endParaRPr lang="en-US"/>
           </a:p>
@@ -1524,7 +1524,7 @@
           <a:p>
             <a:fld id="{BE8D4106-8180-4463-B9AE-90DCAAF0C0AE}" type="datetimeFigureOut">
               <a:rPr lang="en-US" smtClean="0"/>
-              <a:t>8/10/2019</a:t>
+              <a:t>8/11/2019</a:t>
             </a:fld>
             <a:endParaRPr lang="en-US"/>
           </a:p>
@@ -1799,7 +1799,7 @@
           <a:p>
             <a:fld id="{BE8D4106-8180-4463-B9AE-90DCAAF0C0AE}" type="datetimeFigureOut">
               <a:rPr lang="en-US" smtClean="0"/>
-              <a:t>8/10/2019</a:t>
+              <a:t>8/11/2019</a:t>
             </a:fld>
             <a:endParaRPr lang="en-US"/>
           </a:p>
@@ -2064,7 +2064,7 @@
           <a:p>
             <a:fld id="{BE8D4106-8180-4463-B9AE-90DCAAF0C0AE}" type="datetimeFigureOut">
               <a:rPr lang="en-US" smtClean="0"/>
-              <a:t>8/10/2019</a:t>
+              <a:t>8/11/2019</a:t>
             </a:fld>
             <a:endParaRPr lang="en-US"/>
           </a:p>
@@ -2476,7 +2476,7 @@
           <a:p>
             <a:fld id="{BE8D4106-8180-4463-B9AE-90DCAAF0C0AE}" type="datetimeFigureOut">
               <a:rPr lang="en-US" smtClean="0"/>
-              <a:t>8/10/2019</a:t>
+              <a:t>8/11/2019</a:t>
             </a:fld>
             <a:endParaRPr lang="en-US"/>
           </a:p>
@@ -2617,7 +2617,7 @@
           <a:p>
             <a:fld id="{BE8D4106-8180-4463-B9AE-90DCAAF0C0AE}" type="datetimeFigureOut">
               <a:rPr lang="en-US" smtClean="0"/>
-              <a:t>8/10/2019</a:t>
+              <a:t>8/11/2019</a:t>
             </a:fld>
             <a:endParaRPr lang="en-US"/>
           </a:p>
@@ -2730,7 +2730,7 @@
           <a:p>
             <a:fld id="{BE8D4106-8180-4463-B9AE-90DCAAF0C0AE}" type="datetimeFigureOut">
               <a:rPr lang="en-US" smtClean="0"/>
-              <a:t>8/10/2019</a:t>
+              <a:t>8/11/2019</a:t>
             </a:fld>
             <a:endParaRPr lang="en-US"/>
           </a:p>
@@ -3041,7 +3041,7 @@
           <a:p>
             <a:fld id="{BE8D4106-8180-4463-B9AE-90DCAAF0C0AE}" type="datetimeFigureOut">
               <a:rPr lang="en-US" smtClean="0"/>
-              <a:t>8/10/2019</a:t>
+              <a:t>8/11/2019</a:t>
             </a:fld>
             <a:endParaRPr lang="en-US"/>
           </a:p>
@@ -3329,7 +3329,7 @@
           <a:p>
             <a:fld id="{BE8D4106-8180-4463-B9AE-90DCAAF0C0AE}" type="datetimeFigureOut">
               <a:rPr lang="en-US" smtClean="0"/>
-              <a:t>8/10/2019</a:t>
+              <a:t>8/11/2019</a:t>
             </a:fld>
             <a:endParaRPr lang="en-US"/>
           </a:p>
@@ -3570,7 +3570,7 @@
           <a:p>
             <a:fld id="{BE8D4106-8180-4463-B9AE-90DCAAF0C0AE}" type="datetimeFigureOut">
               <a:rPr lang="en-US" smtClean="0"/>
-              <a:t>8/10/2019</a:t>
+              <a:t>8/11/2019</a:t>
             </a:fld>
             <a:endParaRPr lang="en-US"/>
           </a:p>
@@ -7475,62 +7475,6 @@
           </p:txBody>
         </p:sp>
       </p:grpSp>
-      <p:sp>
-        <p:nvSpPr>
-          <p:cNvPr id="108" name="Rectangle: Rounded Corners 107">
-            <a:extLst>
-              <a:ext uri="{FF2B5EF4-FFF2-40B4-BE49-F238E27FC236}">
-                <a16:creationId xmlns:a16="http://schemas.microsoft.com/office/drawing/2014/main" id="{C0AD157B-8B77-4599-8AAA-E42FD2193A1C}"/>
-              </a:ext>
-            </a:extLst>
-          </p:cNvPr>
-          <p:cNvSpPr/>
-          <p:nvPr/>
-        </p:nvSpPr>
-        <p:spPr>
-          <a:xfrm>
-            <a:off x="8265769" y="5841981"/>
-            <a:ext cx="1428274" cy="818707"/>
-          </a:xfrm>
-          <a:prstGeom prst="roundRect">
-            <a:avLst/>
-          </a:prstGeom>
-          <a:solidFill>
-            <a:srgbClr val="FFFF00"/>
-          </a:solidFill>
-        </p:spPr>
-        <p:style>
-          <a:lnRef idx="2">
-            <a:schemeClr val="accent4">
-              <a:shade val="50000"/>
-            </a:schemeClr>
-          </a:lnRef>
-          <a:fillRef idx="1">
-            <a:schemeClr val="accent4"/>
-          </a:fillRef>
-          <a:effectRef idx="0">
-            <a:schemeClr val="accent4"/>
-          </a:effectRef>
-          <a:fontRef idx="minor">
-            <a:schemeClr val="lt1"/>
-          </a:fontRef>
-        </p:style>
-        <p:txBody>
-          <a:bodyPr rtlCol="0" anchor="ctr"/>
-          <a:lstStyle/>
-          <a:p>
-            <a:pPr algn="ctr"/>
-            <a:r>
-              <a:rPr lang="en-US" dirty="0">
-                <a:solidFill>
-                  <a:schemeClr val="tx1"/>
-                </a:solidFill>
-              </a:rPr>
-              <a:t>Power BI</a:t>
-            </a:r>
-          </a:p>
-        </p:txBody>
-      </p:sp>
       <p:grpSp>
         <p:nvGrpSpPr>
           <p:cNvPr id="61" name="Group 60">
@@ -7545,10 +7489,10 @@
         </p:nvGrpSpPr>
         <p:grpSpPr>
           <a:xfrm>
-            <a:off x="7625211" y="5231116"/>
-            <a:ext cx="1428274" cy="1088699"/>
-            <a:chOff x="7625211" y="5231116"/>
-            <a:chExt cx="1428274" cy="1088699"/>
+            <a:off x="7802884" y="5231116"/>
+            <a:ext cx="2301777" cy="1088699"/>
+            <a:chOff x="7802884" y="5231116"/>
+            <a:chExt cx="2301777" cy="1088699"/>
           </a:xfrm>
         </p:grpSpPr>
         <p:sp>
@@ -7611,8 +7555,8 @@
           </p:nvSpPr>
           <p:spPr>
             <a:xfrm>
-              <a:off x="7625211" y="5504224"/>
-              <a:ext cx="1428274" cy="276999"/>
+              <a:off x="7802884" y="5504224"/>
+              <a:ext cx="2301777" cy="276999"/>
             </a:xfrm>
             <a:prstGeom prst="rect">
               <a:avLst/>
@@ -7628,12 +7572,191 @@
               <a:pPr algn="ctr"/>
               <a:r>
                 <a:rPr lang="en-US" sz="1200" dirty="0"/>
-                <a:t>Direct Query</a:t>
+                <a:t>Direct Query (Kusto language)</a:t>
               </a:r>
             </a:p>
           </p:txBody>
         </p:sp>
       </p:grpSp>
+      <p:grpSp>
+        <p:nvGrpSpPr>
+          <p:cNvPr id="4" name="Group 3">
+            <a:extLst>
+              <a:ext uri="{FF2B5EF4-FFF2-40B4-BE49-F238E27FC236}">
+                <a16:creationId xmlns:a16="http://schemas.microsoft.com/office/drawing/2014/main" id="{C4E29A25-890C-42A5-96BB-2EED9A1F3D27}"/>
+              </a:ext>
+            </a:extLst>
+          </p:cNvPr>
+          <p:cNvGrpSpPr/>
+          <p:nvPr/>
+        </p:nvGrpSpPr>
+        <p:grpSpPr>
+          <a:xfrm>
+            <a:off x="8265769" y="5837186"/>
+            <a:ext cx="1567741" cy="972864"/>
+            <a:chOff x="8265769" y="5837186"/>
+            <a:chExt cx="2462482" cy="823502"/>
+          </a:xfrm>
+        </p:grpSpPr>
+        <p:sp>
+          <p:nvSpPr>
+            <p:cNvPr id="108" name="Rectangle: Rounded Corners 107">
+              <a:extLst>
+                <a:ext uri="{FF2B5EF4-FFF2-40B4-BE49-F238E27FC236}">
+                  <a16:creationId xmlns:a16="http://schemas.microsoft.com/office/drawing/2014/main" id="{C0AD157B-8B77-4599-8AAA-E42FD2193A1C}"/>
+                </a:ext>
+              </a:extLst>
+            </p:cNvPr>
+            <p:cNvSpPr/>
+            <p:nvPr/>
+          </p:nvSpPr>
+          <p:spPr>
+            <a:xfrm>
+              <a:off x="8265769" y="5841981"/>
+              <a:ext cx="2462482" cy="818707"/>
+            </a:xfrm>
+            <a:prstGeom prst="roundRect">
+              <a:avLst/>
+            </a:prstGeom>
+            <a:solidFill>
+              <a:srgbClr val="FFFF00"/>
+            </a:solidFill>
+          </p:spPr>
+          <p:style>
+            <a:lnRef idx="2">
+              <a:schemeClr val="accent4">
+                <a:shade val="50000"/>
+              </a:schemeClr>
+            </a:lnRef>
+            <a:fillRef idx="1">
+              <a:schemeClr val="accent4"/>
+            </a:fillRef>
+            <a:effectRef idx="0">
+              <a:schemeClr val="accent4"/>
+            </a:effectRef>
+            <a:fontRef idx="minor">
+              <a:schemeClr val="lt1"/>
+            </a:fontRef>
+          </p:style>
+          <p:txBody>
+            <a:bodyPr rtlCol="0" anchor="ctr"/>
+            <a:lstStyle/>
+            <a:p>
+              <a:pPr algn="ctr"/>
+              <a:endParaRPr lang="en-US" dirty="0">
+                <a:solidFill>
+                  <a:schemeClr val="tx1"/>
+                </a:solidFill>
+              </a:endParaRPr>
+            </a:p>
+          </p:txBody>
+        </p:sp>
+        <p:sp>
+          <p:nvSpPr>
+            <p:cNvPr id="2" name="TextBox 1">
+              <a:extLst>
+                <a:ext uri="{FF2B5EF4-FFF2-40B4-BE49-F238E27FC236}">
+                  <a16:creationId xmlns:a16="http://schemas.microsoft.com/office/drawing/2014/main" id="{037C1CD3-5159-430D-8DD9-3566E51C0CA1}"/>
+                </a:ext>
+              </a:extLst>
+            </p:cNvPr>
+            <p:cNvSpPr txBox="1"/>
+            <p:nvPr/>
+          </p:nvSpPr>
+          <p:spPr>
+            <a:xfrm>
+              <a:off x="8459470" y="5837186"/>
+              <a:ext cx="2027963" cy="312629"/>
+            </a:xfrm>
+            <a:prstGeom prst="rect">
+              <a:avLst/>
+            </a:prstGeom>
+            <a:noFill/>
+          </p:spPr>
+          <p:txBody>
+            <a:bodyPr wrap="square" rtlCol="0">
+              <a:spAutoFit/>
+            </a:bodyPr>
+            <a:lstStyle/>
+            <a:p>
+              <a:pPr algn="ctr"/>
+              <a:r>
+                <a:rPr lang="en-US" dirty="0"/>
+                <a:t>Power BI</a:t>
+              </a:r>
+            </a:p>
+          </p:txBody>
+        </p:sp>
+      </p:grpSp>
+      <p:sp>
+        <p:nvSpPr>
+          <p:cNvPr id="91" name="Rectangle: Rounded Corners 90">
+            <a:extLst>
+              <a:ext uri="{FF2B5EF4-FFF2-40B4-BE49-F238E27FC236}">
+                <a16:creationId xmlns:a16="http://schemas.microsoft.com/office/drawing/2014/main" id="{D454808D-5B9F-4EAD-B539-E644ED47F036}"/>
+              </a:ext>
+            </a:extLst>
+          </p:cNvPr>
+          <p:cNvSpPr/>
+          <p:nvPr/>
+        </p:nvSpPr>
+        <p:spPr>
+          <a:xfrm>
+            <a:off x="8553019" y="6194636"/>
+            <a:ext cx="993239" cy="549767"/>
+          </a:xfrm>
+          <a:prstGeom prst="roundRect">
+            <a:avLst/>
+          </a:prstGeom>
+        </p:spPr>
+        <p:style>
+          <a:lnRef idx="2">
+            <a:schemeClr val="accent6">
+              <a:shade val="50000"/>
+            </a:schemeClr>
+          </a:lnRef>
+          <a:fillRef idx="1">
+            <a:schemeClr val="accent6"/>
+          </a:fillRef>
+          <a:effectRef idx="0">
+            <a:schemeClr val="accent6"/>
+          </a:effectRef>
+          <a:fontRef idx="minor">
+            <a:schemeClr val="lt1"/>
+          </a:fontRef>
+        </p:style>
+        <p:txBody>
+          <a:bodyPr rtlCol="0" anchor="ctr"/>
+          <a:lstStyle/>
+          <a:p>
+            <a:pPr algn="ctr"/>
+            <a:r>
+              <a:rPr lang="en-US" altLang="zh-CN" sz="1400" dirty="0" err="1">
+                <a:solidFill>
+                  <a:schemeClr val="tx1"/>
+                </a:solidFill>
+              </a:rPr>
+              <a:t>PowerBI</a:t>
+            </a:r>
+            <a:endParaRPr lang="en-US" altLang="zh-CN" sz="1400" dirty="0">
+              <a:solidFill>
+                <a:schemeClr val="tx1"/>
+              </a:solidFill>
+            </a:endParaRPr>
+          </a:p>
+          <a:p>
+            <a:pPr algn="ctr"/>
+            <a:r>
+              <a:rPr lang="en-US" sz="1400" dirty="0">
+                <a:solidFill>
+                  <a:schemeClr val="tx1"/>
+                </a:solidFill>
+              </a:rPr>
+              <a:t>Query</a:t>
+            </a:r>
+          </a:p>
+        </p:txBody>
+      </p:sp>
     </p:spTree>
     <p:extLst>
       <p:ext uri="{BB962C8B-B14F-4D97-AF65-F5344CB8AC3E}">

--- a/Materials/Presentation1.pptx
+++ b/Materials/Presentation1.pptx
@@ -920,7 +920,7 @@
           <a:p>
             <a:fld id="{BE8D4106-8180-4463-B9AE-90DCAAF0C0AE}" type="datetimeFigureOut">
               <a:rPr lang="en-US" smtClean="0"/>
-              <a:t>8/11/2019</a:t>
+              <a:t>8/14/2019</a:t>
             </a:fld>
             <a:endParaRPr lang="en-US"/>
           </a:p>
@@ -1118,7 +1118,7 @@
           <a:p>
             <a:fld id="{BE8D4106-8180-4463-B9AE-90DCAAF0C0AE}" type="datetimeFigureOut">
               <a:rPr lang="en-US" smtClean="0"/>
-              <a:t>8/11/2019</a:t>
+              <a:t>8/14/2019</a:t>
             </a:fld>
             <a:endParaRPr lang="en-US"/>
           </a:p>
@@ -1326,7 +1326,7 @@
           <a:p>
             <a:fld id="{BE8D4106-8180-4463-B9AE-90DCAAF0C0AE}" type="datetimeFigureOut">
               <a:rPr lang="en-US" smtClean="0"/>
-              <a:t>8/11/2019</a:t>
+              <a:t>8/14/2019</a:t>
             </a:fld>
             <a:endParaRPr lang="en-US"/>
           </a:p>
@@ -1524,7 +1524,7 @@
           <a:p>
             <a:fld id="{BE8D4106-8180-4463-B9AE-90DCAAF0C0AE}" type="datetimeFigureOut">
               <a:rPr lang="en-US" smtClean="0"/>
-              <a:t>8/11/2019</a:t>
+              <a:t>8/14/2019</a:t>
             </a:fld>
             <a:endParaRPr lang="en-US"/>
           </a:p>
@@ -1799,7 +1799,7 @@
           <a:p>
             <a:fld id="{BE8D4106-8180-4463-B9AE-90DCAAF0C0AE}" type="datetimeFigureOut">
               <a:rPr lang="en-US" smtClean="0"/>
-              <a:t>8/11/2019</a:t>
+              <a:t>8/14/2019</a:t>
             </a:fld>
             <a:endParaRPr lang="en-US"/>
           </a:p>
@@ -2064,7 +2064,7 @@
           <a:p>
             <a:fld id="{BE8D4106-8180-4463-B9AE-90DCAAF0C0AE}" type="datetimeFigureOut">
               <a:rPr lang="en-US" smtClean="0"/>
-              <a:t>8/11/2019</a:t>
+              <a:t>8/14/2019</a:t>
             </a:fld>
             <a:endParaRPr lang="en-US"/>
           </a:p>
@@ -2476,7 +2476,7 @@
           <a:p>
             <a:fld id="{BE8D4106-8180-4463-B9AE-90DCAAF0C0AE}" type="datetimeFigureOut">
               <a:rPr lang="en-US" smtClean="0"/>
-              <a:t>8/11/2019</a:t>
+              <a:t>8/14/2019</a:t>
             </a:fld>
             <a:endParaRPr lang="en-US"/>
           </a:p>
@@ -2617,7 +2617,7 @@
           <a:p>
             <a:fld id="{BE8D4106-8180-4463-B9AE-90DCAAF0C0AE}" type="datetimeFigureOut">
               <a:rPr lang="en-US" smtClean="0"/>
-              <a:t>8/11/2019</a:t>
+              <a:t>8/14/2019</a:t>
             </a:fld>
             <a:endParaRPr lang="en-US"/>
           </a:p>
@@ -2730,7 +2730,7 @@
           <a:p>
             <a:fld id="{BE8D4106-8180-4463-B9AE-90DCAAF0C0AE}" type="datetimeFigureOut">
               <a:rPr lang="en-US" smtClean="0"/>
-              <a:t>8/11/2019</a:t>
+              <a:t>8/14/2019</a:t>
             </a:fld>
             <a:endParaRPr lang="en-US"/>
           </a:p>
@@ -3041,7 +3041,7 @@
           <a:p>
             <a:fld id="{BE8D4106-8180-4463-B9AE-90DCAAF0C0AE}" type="datetimeFigureOut">
               <a:rPr lang="en-US" smtClean="0"/>
-              <a:t>8/11/2019</a:t>
+              <a:t>8/14/2019</a:t>
             </a:fld>
             <a:endParaRPr lang="en-US"/>
           </a:p>
@@ -3329,7 +3329,7 @@
           <a:p>
             <a:fld id="{BE8D4106-8180-4463-B9AE-90DCAAF0C0AE}" type="datetimeFigureOut">
               <a:rPr lang="en-US" smtClean="0"/>
-              <a:t>8/11/2019</a:t>
+              <a:t>8/14/2019</a:t>
             </a:fld>
             <a:endParaRPr lang="en-US"/>
           </a:p>
@@ -3570,7 +3570,7 @@
           <a:p>
             <a:fld id="{BE8D4106-8180-4463-B9AE-90DCAAF0C0AE}" type="datetimeFigureOut">
               <a:rPr lang="en-US" smtClean="0"/>
-              <a:t>8/11/2019</a:t>
+              <a:t>8/14/2019</a:t>
             </a:fld>
             <a:endParaRPr lang="en-US"/>
           </a:p>
@@ -4008,7 +4008,9 @@
             <a:avLst/>
           </a:prstGeom>
           <a:solidFill>
-            <a:srgbClr val="FFFF00"/>
+            <a:schemeClr val="accent2">
+              <a:lumMod val="75000"/>
+            </a:schemeClr>
           </a:solidFill>
         </p:spPr>
         <p:style>
@@ -4038,7 +4040,7 @@
                   <a:schemeClr val="tx1"/>
                 </a:solidFill>
               </a:rPr>
-              <a:t>Builder</a:t>
+              <a:t>OPS Build</a:t>
             </a:r>
             <a:endParaRPr lang="en-US" dirty="0">
               <a:solidFill>
@@ -4050,10 +4052,10 @@
       </p:sp>
       <p:grpSp>
         <p:nvGrpSpPr>
-          <p:cNvPr id="102" name="Group 101">
-            <a:extLst>
-              <a:ext uri="{FF2B5EF4-FFF2-40B4-BE49-F238E27FC236}">
-                <a16:creationId xmlns:a16="http://schemas.microsoft.com/office/drawing/2014/main" id="{F5AEBEA7-4D8B-4FA5-8BEC-4D8AA7B76D48}"/>
+          <p:cNvPr id="15" name="Group 14">
+            <a:extLst>
+              <a:ext uri="{FF2B5EF4-FFF2-40B4-BE49-F238E27FC236}">
+                <a16:creationId xmlns:a16="http://schemas.microsoft.com/office/drawing/2014/main" id="{D172255B-D5D5-4821-BFAE-EBBEE1898A18}"/>
               </a:ext>
             </a:extLst>
           </p:cNvPr>
@@ -4062,10 +4064,10 @@
         </p:nvGrpSpPr>
         <p:grpSpPr>
           <a:xfrm>
-            <a:off x="7938779" y="311736"/>
-            <a:ext cx="1719309" cy="2313206"/>
-            <a:chOff x="9284864" y="566221"/>
-            <a:chExt cx="1719309" cy="2350346"/>
+            <a:off x="8553019" y="127875"/>
+            <a:ext cx="1719309" cy="1340685"/>
+            <a:chOff x="8205849" y="278880"/>
+            <a:chExt cx="1719309" cy="1340685"/>
           </a:xfrm>
         </p:grpSpPr>
         <p:sp>
@@ -4082,14 +4084,16 @@
           </p:nvSpPr>
           <p:spPr>
             <a:xfrm>
-              <a:off x="9284864" y="566221"/>
-              <a:ext cx="1719309" cy="2350346"/>
+              <a:off x="8205849" y="278880"/>
+              <a:ext cx="1719309" cy="1340685"/>
             </a:xfrm>
             <a:prstGeom prst="roundRect">
               <a:avLst/>
             </a:prstGeom>
             <a:solidFill>
-              <a:srgbClr val="FFFF00"/>
+              <a:schemeClr val="accent2">
+                <a:lumMod val="75000"/>
+              </a:schemeClr>
             </a:solidFill>
           </p:spPr>
           <p:style>
@@ -4113,7 +4117,7 @@
             <a:lstStyle/>
             <a:p>
               <a:pPr algn="ctr"/>
-              <a:endParaRPr lang="en-US"/>
+              <a:endParaRPr lang="en-US" dirty="0"/>
             </a:p>
           </p:txBody>
         </p:sp>
@@ -4131,8 +4135,8 @@
           </p:nvSpPr>
           <p:spPr>
             <a:xfrm>
-              <a:off x="9334542" y="593248"/>
-              <a:ext cx="1638300" cy="369332"/>
+              <a:off x="8255527" y="305480"/>
+              <a:ext cx="1638300" cy="363496"/>
             </a:xfrm>
             <a:prstGeom prst="rect">
               <a:avLst/>
@@ -4167,8 +4171,8 @@
           </p:nvSpPr>
           <p:spPr>
             <a:xfrm>
-              <a:off x="9547271" y="1060389"/>
-              <a:ext cx="1203709" cy="688846"/>
+              <a:off x="8468256" y="765239"/>
+              <a:ext cx="1203709" cy="677961"/>
             </a:xfrm>
             <a:prstGeom prst="rect">
               <a:avLst/>
@@ -4202,59 +4206,6 @@
                   </a:solidFill>
                 </a:rPr>
                 <a:t>Error log</a:t>
-              </a:r>
-            </a:p>
-          </p:txBody>
-        </p:sp>
-        <p:sp>
-          <p:nvSpPr>
-            <p:cNvPr id="101" name="Rectangle 100">
-              <a:extLst>
-                <a:ext uri="{FF2B5EF4-FFF2-40B4-BE49-F238E27FC236}">
-                  <a16:creationId xmlns:a16="http://schemas.microsoft.com/office/drawing/2014/main" id="{5CA84294-1112-43FF-82BB-ED758D631C93}"/>
-                </a:ext>
-              </a:extLst>
-            </p:cNvPr>
-            <p:cNvSpPr/>
-            <p:nvPr/>
-          </p:nvSpPr>
-          <p:spPr>
-            <a:xfrm>
-              <a:off x="9546626" y="1899817"/>
-              <a:ext cx="1203709" cy="688846"/>
-            </a:xfrm>
-            <a:prstGeom prst="rect">
-              <a:avLst/>
-            </a:prstGeom>
-          </p:spPr>
-          <p:style>
-            <a:lnRef idx="2">
-              <a:schemeClr val="accent3">
-                <a:shade val="50000"/>
-              </a:schemeClr>
-            </a:lnRef>
-            <a:fillRef idx="1">
-              <a:schemeClr val="accent3"/>
-            </a:fillRef>
-            <a:effectRef idx="0">
-              <a:schemeClr val="accent3"/>
-            </a:effectRef>
-            <a:fontRef idx="minor">
-              <a:schemeClr val="lt1"/>
-            </a:fontRef>
-          </p:style>
-          <p:txBody>
-            <a:bodyPr rtlCol="0" anchor="ctr"/>
-            <a:lstStyle/>
-            <a:p>
-              <a:pPr algn="ctr"/>
-              <a:r>
-                <a:rPr lang="en-US" sz="1400" dirty="0">
-                  <a:solidFill>
-                    <a:schemeClr val="tx1"/>
-                  </a:solidFill>
-                </a:rPr>
-                <a:t>Configuration</a:t>
               </a:r>
             </a:p>
           </p:txBody>
@@ -4505,8 +4456,8 @@
             </p:nvSpPr>
             <p:spPr>
               <a:xfrm>
-                <a:off x="-1929151" y="4447885"/>
-                <a:ext cx="1248699" cy="862491"/>
+                <a:off x="-1929151" y="4676885"/>
+                <a:ext cx="1248699" cy="944349"/>
               </a:xfrm>
               <a:prstGeom prst="rect">
                 <a:avLst/>
@@ -4558,8 +4509,8 @@
             </p:nvSpPr>
             <p:spPr>
               <a:xfrm>
-                <a:off x="-1938988" y="3642206"/>
-                <a:ext cx="1248699" cy="345953"/>
+                <a:off x="-1938988" y="3642207"/>
+                <a:ext cx="1248699" cy="505733"/>
               </a:xfrm>
               <a:prstGeom prst="rect">
                 <a:avLst/>
@@ -4592,21 +4543,8 @@
                       <a:schemeClr val="tx1"/>
                     </a:solidFill>
                   </a:rPr>
-                  <a:t>Config </a:t>
+                  <a:t>Repo, branch</a:t>
                 </a:r>
-                <a:r>
-                  <a:rPr lang="en-US" sz="1400" dirty="0" err="1">
-                    <a:solidFill>
-                      <a:schemeClr val="tx1"/>
-                    </a:solidFill>
-                  </a:rPr>
-                  <a:t>Url</a:t>
-                </a:r>
-                <a:endParaRPr lang="en-US" sz="1400" dirty="0">
-                  <a:solidFill>
-                    <a:schemeClr val="tx1"/>
-                  </a:solidFill>
-                </a:endParaRPr>
               </a:p>
             </p:txBody>
           </p:sp>
@@ -4624,7 +4562,7 @@
             </p:nvSpPr>
             <p:spPr>
               <a:xfrm>
-                <a:off x="-1929151" y="4048185"/>
+                <a:off x="-1929151" y="4247696"/>
                 <a:ext cx="1248699" cy="345953"/>
               </a:xfrm>
               <a:prstGeom prst="rect">
@@ -5000,7 +4938,7 @@
                   <a:schemeClr val="tx1"/>
                 </a:solidFill>
               </a:rPr>
-              <a:t>Blob</a:t>
+              <a:t>Blob, API</a:t>
             </a:r>
           </a:p>
           <a:p>
@@ -5026,6 +4964,7 @@
             </a:extLst>
           </p:cNvPr>
           <p:cNvCxnSpPr>
+            <a:cxnSpLocks/>
             <a:stCxn id="35" idx="3"/>
             <a:endCxn id="124" idx="1"/>
           </p:cNvCxnSpPr>
@@ -5033,8 +4972,8 @@
         </p:nvCxnSpPr>
         <p:spPr>
           <a:xfrm>
-            <a:off x="5151474" y="1076216"/>
-            <a:ext cx="465962" cy="178740"/>
+            <a:off x="5151474" y="1140022"/>
+            <a:ext cx="465962" cy="114934"/>
           </a:xfrm>
           <a:prstGeom prst="straightConnector1">
             <a:avLst/>
@@ -5077,7 +5016,7 @@
         <p:spPr>
           <a:xfrm flipV="1">
             <a:off x="5159348" y="1254956"/>
-            <a:ext cx="458088" cy="145504"/>
+            <a:ext cx="458088" cy="304848"/>
           </a:xfrm>
           <a:prstGeom prst="straightConnector1">
             <a:avLst/>
@@ -5160,9 +5099,9 @@
           <p:nvPr/>
         </p:nvCxnSpPr>
         <p:spPr>
-          <a:xfrm>
-            <a:off x="5159348" y="1925962"/>
-            <a:ext cx="458088" cy="154591"/>
+          <a:xfrm flipV="1">
+            <a:off x="5159348" y="2080553"/>
+            <a:ext cx="458088" cy="60994"/>
           </a:xfrm>
           <a:prstGeom prst="straightConnector1">
             <a:avLst/>
@@ -5247,7 +5186,9 @@
                 <a:avLst/>
               </a:prstGeom>
               <a:solidFill>
-                <a:srgbClr val="FFFF00"/>
+                <a:schemeClr val="accent2">
+                  <a:lumMod val="75000"/>
+                </a:schemeClr>
               </a:solidFill>
             </p:spPr>
             <p:style>
@@ -5271,7 +5212,7 @@
               <a:lstStyle/>
               <a:p>
                 <a:pPr algn="ctr"/>
-                <a:endParaRPr lang="en-US"/>
+                <a:endParaRPr lang="en-US" dirty="0"/>
               </a:p>
             </p:txBody>
           </p:sp>
@@ -5569,259 +5510,76 @@
       </p:grpSp>
       <p:sp>
         <p:nvSpPr>
-          <p:cNvPr id="162" name="Rectangle 161">
-            <a:extLst>
-              <a:ext uri="{FF2B5EF4-FFF2-40B4-BE49-F238E27FC236}">
-                <a16:creationId xmlns:a16="http://schemas.microsoft.com/office/drawing/2014/main" id="{31467B78-68F9-4841-B59A-8AF387A85D3A}"/>
-              </a:ext>
-            </a:extLst>
-          </p:cNvPr>
-          <p:cNvSpPr/>
+          <p:cNvPr id="165" name="TextBox 164">
+            <a:extLst>
+              <a:ext uri="{FF2B5EF4-FFF2-40B4-BE49-F238E27FC236}">
+                <a16:creationId xmlns:a16="http://schemas.microsoft.com/office/drawing/2014/main" id="{3592EAEC-1B33-40AC-9E86-579AE0F9CC6F}"/>
+              </a:ext>
+            </a:extLst>
+          </p:cNvPr>
+          <p:cNvSpPr txBox="1"/>
           <p:nvPr/>
         </p:nvSpPr>
         <p:spPr>
           <a:xfrm>
-            <a:off x="4159834" y="2304634"/>
-            <a:ext cx="999514" cy="232308"/>
+            <a:off x="7244314" y="869661"/>
+            <a:ext cx="612589" cy="276999"/>
           </a:xfrm>
           <a:prstGeom prst="rect">
             <a:avLst/>
           </a:prstGeom>
+          <a:noFill/>
         </p:spPr>
-        <p:style>
-          <a:lnRef idx="2">
-            <a:schemeClr val="accent3">
-              <a:shade val="50000"/>
-            </a:schemeClr>
-          </a:lnRef>
-          <a:fillRef idx="1">
-            <a:schemeClr val="accent3"/>
-          </a:fillRef>
-          <a:effectRef idx="0">
-            <a:schemeClr val="accent3"/>
-          </a:effectRef>
-          <a:fontRef idx="minor">
-            <a:schemeClr val="lt1"/>
-          </a:fontRef>
-        </p:style>
         <p:txBody>
-          <a:bodyPr rtlCol="0" anchor="ctr"/>
+          <a:bodyPr wrap="square" rtlCol="0">
+            <a:spAutoFit/>
+          </a:bodyPr>
           <a:lstStyle/>
           <a:p>
             <a:pPr algn="ctr"/>
             <a:r>
-              <a:rPr lang="en-US" sz="1400" dirty="0">
-                <a:solidFill>
-                  <a:schemeClr val="tx1"/>
-                </a:solidFill>
-              </a:rPr>
-              <a:t>…</a:t>
+              <a:rPr lang="en-US" sz="1200" dirty="0"/>
+              <a:t>read</a:t>
             </a:r>
           </a:p>
         </p:txBody>
       </p:sp>
-      <p:grpSp>
-        <p:nvGrpSpPr>
-          <p:cNvPr id="168" name="Group 167">
-            <a:extLst>
-              <a:ext uri="{FF2B5EF4-FFF2-40B4-BE49-F238E27FC236}">
-                <a16:creationId xmlns:a16="http://schemas.microsoft.com/office/drawing/2014/main" id="{ED9779A1-2DA0-4345-8FDC-BE568216FF87}"/>
-              </a:ext>
-            </a:extLst>
-          </p:cNvPr>
-          <p:cNvGrpSpPr/>
+      <p:sp>
+        <p:nvSpPr>
+          <p:cNvPr id="166" name="TextBox 165">
+            <a:extLst>
+              <a:ext uri="{FF2B5EF4-FFF2-40B4-BE49-F238E27FC236}">
+                <a16:creationId xmlns:a16="http://schemas.microsoft.com/office/drawing/2014/main" id="{7C1D9F8B-3B9C-4308-8104-F8053588F9BC}"/>
+              </a:ext>
+            </a:extLst>
+          </p:cNvPr>
+          <p:cNvSpPr txBox="1"/>
           <p:nvPr/>
-        </p:nvGrpSpPr>
-        <p:grpSpPr>
+        </p:nvSpPr>
+        <p:spPr>
           <a:xfrm>
-            <a:off x="6899828" y="869661"/>
-            <a:ext cx="1301358" cy="385295"/>
-            <a:chOff x="6899828" y="869661"/>
-            <a:chExt cx="1301358" cy="385295"/>
+            <a:off x="7289579" y="1685836"/>
+            <a:ext cx="612589" cy="276999"/>
           </a:xfrm>
-        </p:grpSpPr>
-        <p:cxnSp>
-          <p:nvCxnSpPr>
-            <p:cNvPr id="136" name="Straight Arrow Connector 135">
-              <a:extLst>
-                <a:ext uri="{FF2B5EF4-FFF2-40B4-BE49-F238E27FC236}">
-                  <a16:creationId xmlns:a16="http://schemas.microsoft.com/office/drawing/2014/main" id="{2D8E0592-FA97-4232-84E3-5BF77A32EC5A}"/>
-                </a:ext>
-              </a:extLst>
-            </p:cNvPr>
-            <p:cNvCxnSpPr>
-              <a:cxnSpLocks/>
-              <a:stCxn id="124" idx="3"/>
-              <a:endCxn id="100" idx="1"/>
-            </p:cNvCxnSpPr>
-            <p:nvPr/>
-          </p:nvCxnSpPr>
-          <p:spPr>
-            <a:xfrm flipV="1">
-              <a:off x="6899828" y="1137076"/>
-              <a:ext cx="1301358" cy="117880"/>
-            </a:xfrm>
-            <a:prstGeom prst="straightConnector1">
-              <a:avLst/>
-            </a:prstGeom>
-            <a:ln>
-              <a:headEnd type="triangle"/>
-              <a:tailEnd type="triangle"/>
-            </a:ln>
-          </p:spPr>
-          <p:style>
-            <a:lnRef idx="1">
-              <a:schemeClr val="accent1"/>
-            </a:lnRef>
-            <a:fillRef idx="0">
-              <a:schemeClr val="accent1"/>
-            </a:fillRef>
-            <a:effectRef idx="0">
-              <a:schemeClr val="accent1"/>
-            </a:effectRef>
-            <a:fontRef idx="minor">
-              <a:schemeClr val="tx1"/>
-            </a:fontRef>
-          </p:style>
-        </p:cxnSp>
-        <p:sp>
-          <p:nvSpPr>
-            <p:cNvPr id="165" name="TextBox 164">
-              <a:extLst>
-                <a:ext uri="{FF2B5EF4-FFF2-40B4-BE49-F238E27FC236}">
-                  <a16:creationId xmlns:a16="http://schemas.microsoft.com/office/drawing/2014/main" id="{3592EAEC-1B33-40AC-9E86-579AE0F9CC6F}"/>
-                </a:ext>
-              </a:extLst>
-            </p:cNvPr>
-            <p:cNvSpPr txBox="1"/>
-            <p:nvPr/>
-          </p:nvSpPr>
-          <p:spPr>
-            <a:xfrm>
-              <a:off x="7244314" y="869661"/>
-              <a:ext cx="612589" cy="276999"/>
-            </a:xfrm>
-            <a:prstGeom prst="rect">
-              <a:avLst/>
-            </a:prstGeom>
-            <a:noFill/>
-          </p:spPr>
-          <p:txBody>
-            <a:bodyPr wrap="square" rtlCol="0">
-              <a:spAutoFit/>
-            </a:bodyPr>
-            <a:lstStyle/>
-            <a:p>
-              <a:pPr algn="ctr"/>
-              <a:r>
-                <a:rPr lang="en-US" sz="1200" dirty="0"/>
-                <a:t>read</a:t>
-              </a:r>
-            </a:p>
-          </p:txBody>
-        </p:sp>
-      </p:grpSp>
-      <p:grpSp>
-        <p:nvGrpSpPr>
-          <p:cNvPr id="167" name="Group 166">
-            <a:extLst>
-              <a:ext uri="{FF2B5EF4-FFF2-40B4-BE49-F238E27FC236}">
-                <a16:creationId xmlns:a16="http://schemas.microsoft.com/office/drawing/2014/main" id="{292EC745-2E55-44AD-BDC6-4772C92B0FE4}"/>
-              </a:ext>
-            </a:extLst>
-          </p:cNvPr>
-          <p:cNvGrpSpPr/>
-          <p:nvPr/>
-        </p:nvGrpSpPr>
-        <p:grpSpPr>
-          <a:xfrm>
-            <a:off x="6899828" y="1254956"/>
-            <a:ext cx="1300713" cy="708284"/>
-            <a:chOff x="6899828" y="1254956"/>
-            <a:chExt cx="1300713" cy="708284"/>
-          </a:xfrm>
-        </p:grpSpPr>
-        <p:cxnSp>
-          <p:nvCxnSpPr>
-            <p:cNvPr id="139" name="Straight Arrow Connector 138">
-              <a:extLst>
-                <a:ext uri="{FF2B5EF4-FFF2-40B4-BE49-F238E27FC236}">
-                  <a16:creationId xmlns:a16="http://schemas.microsoft.com/office/drawing/2014/main" id="{74AD66F7-B4CD-4A98-9A54-637AA448824E}"/>
-                </a:ext>
-              </a:extLst>
-            </p:cNvPr>
-            <p:cNvCxnSpPr>
-              <a:cxnSpLocks/>
-              <a:stCxn id="124" idx="3"/>
-              <a:endCxn id="101" idx="1"/>
-            </p:cNvCxnSpPr>
-            <p:nvPr/>
-          </p:nvCxnSpPr>
-          <p:spPr>
-            <a:xfrm>
-              <a:off x="6899828" y="1254956"/>
-              <a:ext cx="1300713" cy="708284"/>
-            </a:xfrm>
-            <a:prstGeom prst="straightConnector1">
-              <a:avLst/>
-            </a:prstGeom>
-            <a:ln>
-              <a:headEnd type="triangle"/>
-              <a:tailEnd type="triangle"/>
-            </a:ln>
-          </p:spPr>
-          <p:style>
-            <a:lnRef idx="1">
-              <a:schemeClr val="accent1"/>
-            </a:lnRef>
-            <a:fillRef idx="0">
-              <a:schemeClr val="accent1"/>
-            </a:fillRef>
-            <a:effectRef idx="0">
-              <a:schemeClr val="accent1"/>
-            </a:effectRef>
-            <a:fontRef idx="minor">
-              <a:schemeClr val="tx1"/>
-            </a:fontRef>
-          </p:style>
-        </p:cxnSp>
-        <p:sp>
-          <p:nvSpPr>
-            <p:cNvPr id="166" name="TextBox 165">
-              <a:extLst>
-                <a:ext uri="{FF2B5EF4-FFF2-40B4-BE49-F238E27FC236}">
-                  <a16:creationId xmlns:a16="http://schemas.microsoft.com/office/drawing/2014/main" id="{7C1D9F8B-3B9C-4308-8104-F8053588F9BC}"/>
-                </a:ext>
-              </a:extLst>
-            </p:cNvPr>
-            <p:cNvSpPr txBox="1"/>
-            <p:nvPr/>
-          </p:nvSpPr>
-          <p:spPr>
-            <a:xfrm>
-              <a:off x="7289579" y="1685836"/>
-              <a:ext cx="612589" cy="276999"/>
-            </a:xfrm>
-            <a:prstGeom prst="rect">
-              <a:avLst/>
-            </a:prstGeom>
-            <a:noFill/>
-          </p:spPr>
-          <p:txBody>
-            <a:bodyPr wrap="square" rtlCol="0">
-              <a:spAutoFit/>
-            </a:bodyPr>
-            <a:lstStyle/>
-            <a:p>
-              <a:pPr algn="ctr"/>
-              <a:r>
-                <a:rPr lang="en-US" sz="1200" dirty="0"/>
-                <a:t>read</a:t>
-              </a:r>
-            </a:p>
-          </p:txBody>
-        </p:sp>
-      </p:grpSp>
+          <a:prstGeom prst="rect">
+            <a:avLst/>
+          </a:prstGeom>
+          <a:noFill/>
+        </p:spPr>
+        <p:txBody>
+          <a:bodyPr wrap="square" rtlCol="0">
+            <a:spAutoFit/>
+          </a:bodyPr>
+          <a:lstStyle/>
+          <a:p>
+            <a:pPr algn="ctr"/>
+            <a:r>
+              <a:rPr lang="en-US" sz="1200" dirty="0"/>
+              <a:t>read</a:t>
+            </a:r>
+          </a:p>
+        </p:txBody>
+      </p:sp>
       <p:sp>
         <p:nvSpPr>
           <p:cNvPr id="75" name="Rectangle: Rounded Corners 74">
@@ -5843,7 +5601,9 @@
             <a:avLst/>
           </a:prstGeom>
           <a:solidFill>
-            <a:srgbClr val="FFFF00"/>
+            <a:schemeClr val="accent2">
+              <a:lumMod val="75000"/>
+            </a:schemeClr>
           </a:solidFill>
         </p:spPr>
         <p:style>
@@ -6442,7 +6202,18 @@
                       <a:schemeClr val="tx1"/>
                     </a:solidFill>
                   </a:rPr>
-                  <a:t>Build Raw Data</a:t>
+                  <a:t>Build job</a:t>
+                </a:r>
+              </a:p>
+              <a:p>
+                <a:pPr algn="ctr"/>
+                <a:r>
+                  <a:rPr lang="en-US" sz="1400" dirty="0">
+                    <a:solidFill>
+                      <a:schemeClr val="tx1"/>
+                    </a:solidFill>
+                  </a:rPr>
+                  <a:t>raw data</a:t>
                 </a:r>
               </a:p>
             </p:txBody>
@@ -7249,11 +7020,14 @@
                 </a:rPr>
                 <a:t>Docfx</a:t>
               </a:r>
-              <a:endParaRPr lang="en-US" sz="1200" dirty="0">
-                <a:solidFill>
-                  <a:schemeClr val="tx1"/>
-                </a:solidFill>
-              </a:endParaRPr>
+              <a:r>
+                <a:rPr lang="en-US" sz="1200" dirty="0">
+                  <a:solidFill>
+                    <a:schemeClr val="tx1"/>
+                  </a:solidFill>
+                </a:rPr>
+                <a:t> tracing</a:t>
+              </a:r>
             </a:p>
             <a:p>
               <a:pPr algn="ctr"/>
@@ -7263,7 +7037,7 @@
                     <a:schemeClr val="tx1"/>
                   </a:solidFill>
                 </a:rPr>
-                <a:t>Metrics</a:t>
+                <a:t>raw data</a:t>
               </a:r>
             </a:p>
           </p:txBody>
@@ -7757,6 +7531,251 @@
           </a:p>
         </p:txBody>
       </p:sp>
+      <p:grpSp>
+        <p:nvGrpSpPr>
+          <p:cNvPr id="103" name="Group 102">
+            <a:extLst>
+              <a:ext uri="{FF2B5EF4-FFF2-40B4-BE49-F238E27FC236}">
+                <a16:creationId xmlns:a16="http://schemas.microsoft.com/office/drawing/2014/main" id="{A45ECC97-7DD7-4310-B321-0026267E0DBF}"/>
+              </a:ext>
+            </a:extLst>
+          </p:cNvPr>
+          <p:cNvGrpSpPr/>
+          <p:nvPr/>
+        </p:nvGrpSpPr>
+        <p:grpSpPr>
+          <a:xfrm>
+            <a:off x="8553018" y="1606741"/>
+            <a:ext cx="1719309" cy="1340685"/>
+            <a:chOff x="8205849" y="278880"/>
+            <a:chExt cx="1719309" cy="1340685"/>
+          </a:xfrm>
+        </p:grpSpPr>
+        <p:sp>
+          <p:nvSpPr>
+            <p:cNvPr id="105" name="Rectangle: Rounded Corners 104">
+              <a:extLst>
+                <a:ext uri="{FF2B5EF4-FFF2-40B4-BE49-F238E27FC236}">
+                  <a16:creationId xmlns:a16="http://schemas.microsoft.com/office/drawing/2014/main" id="{872A30A7-6AE5-49F0-A417-EEE057AB6DE6}"/>
+                </a:ext>
+              </a:extLst>
+            </p:cNvPr>
+            <p:cNvSpPr/>
+            <p:nvPr/>
+          </p:nvSpPr>
+          <p:spPr>
+            <a:xfrm>
+              <a:off x="8205849" y="278880"/>
+              <a:ext cx="1719309" cy="1340685"/>
+            </a:xfrm>
+            <a:prstGeom prst="roundRect">
+              <a:avLst/>
+            </a:prstGeom>
+            <a:solidFill>
+              <a:schemeClr val="accent2">
+                <a:lumMod val="75000"/>
+              </a:schemeClr>
+            </a:solidFill>
+          </p:spPr>
+          <p:style>
+            <a:lnRef idx="2">
+              <a:schemeClr val="accent5">
+                <a:shade val="50000"/>
+              </a:schemeClr>
+            </a:lnRef>
+            <a:fillRef idx="1">
+              <a:schemeClr val="accent5"/>
+            </a:fillRef>
+            <a:effectRef idx="0">
+              <a:schemeClr val="accent5"/>
+            </a:effectRef>
+            <a:fontRef idx="minor">
+              <a:schemeClr val="lt1"/>
+            </a:fontRef>
+          </p:style>
+          <p:txBody>
+            <a:bodyPr rtlCol="0" anchor="ctr"/>
+            <a:lstStyle/>
+            <a:p>
+              <a:pPr algn="ctr"/>
+              <a:endParaRPr lang="en-US" dirty="0"/>
+            </a:p>
+          </p:txBody>
+        </p:sp>
+        <p:sp>
+          <p:nvSpPr>
+            <p:cNvPr id="107" name="TextBox 106">
+              <a:extLst>
+                <a:ext uri="{FF2B5EF4-FFF2-40B4-BE49-F238E27FC236}">
+                  <a16:creationId xmlns:a16="http://schemas.microsoft.com/office/drawing/2014/main" id="{4FB44B36-8E7B-42AA-9546-EACB803D2E0C}"/>
+                </a:ext>
+              </a:extLst>
+            </p:cNvPr>
+            <p:cNvSpPr txBox="1"/>
+            <p:nvPr/>
+          </p:nvSpPr>
+          <p:spPr>
+            <a:xfrm>
+              <a:off x="8255527" y="305480"/>
+              <a:ext cx="1638300" cy="369332"/>
+            </a:xfrm>
+            <a:prstGeom prst="rect">
+              <a:avLst/>
+            </a:prstGeom>
+            <a:noFill/>
+          </p:spPr>
+          <p:txBody>
+            <a:bodyPr wrap="square" rtlCol="0">
+              <a:spAutoFit/>
+            </a:bodyPr>
+            <a:lstStyle/>
+            <a:p>
+              <a:pPr algn="ctr"/>
+              <a:r>
+                <a:rPr lang="en-US" b="1" dirty="0"/>
+                <a:t>OPS Build API</a:t>
+              </a:r>
+            </a:p>
+          </p:txBody>
+        </p:sp>
+        <p:sp>
+          <p:nvSpPr>
+            <p:cNvPr id="109" name="Rectangle 108">
+              <a:extLst>
+                <a:ext uri="{FF2B5EF4-FFF2-40B4-BE49-F238E27FC236}">
+                  <a16:creationId xmlns:a16="http://schemas.microsoft.com/office/drawing/2014/main" id="{8C7C2E37-4AA5-487F-A8A1-29423CE5074F}"/>
+                </a:ext>
+              </a:extLst>
+            </p:cNvPr>
+            <p:cNvSpPr/>
+            <p:nvPr/>
+          </p:nvSpPr>
+          <p:spPr>
+            <a:xfrm>
+              <a:off x="8468256" y="765239"/>
+              <a:ext cx="1203709" cy="677961"/>
+            </a:xfrm>
+            <a:prstGeom prst="rect">
+              <a:avLst/>
+            </a:prstGeom>
+          </p:spPr>
+          <p:style>
+            <a:lnRef idx="2">
+              <a:schemeClr val="accent3">
+                <a:shade val="50000"/>
+              </a:schemeClr>
+            </a:lnRef>
+            <a:fillRef idx="1">
+              <a:schemeClr val="accent3"/>
+            </a:fillRef>
+            <a:effectRef idx="0">
+              <a:schemeClr val="accent3"/>
+            </a:effectRef>
+            <a:fontRef idx="minor">
+              <a:schemeClr val="lt1"/>
+            </a:fontRef>
+          </p:style>
+          <p:txBody>
+            <a:bodyPr rtlCol="0" anchor="ctr"/>
+            <a:lstStyle/>
+            <a:p>
+              <a:pPr algn="ctr"/>
+              <a:r>
+                <a:rPr lang="en-US" sz="1400" dirty="0">
+                  <a:solidFill>
+                    <a:schemeClr val="tx1"/>
+                  </a:solidFill>
+                </a:rPr>
+                <a:t>Configuration</a:t>
+              </a:r>
+            </a:p>
+          </p:txBody>
+        </p:sp>
+      </p:grpSp>
+      <p:cxnSp>
+        <p:nvCxnSpPr>
+          <p:cNvPr id="20" name="Straight Arrow Connector 19">
+            <a:extLst>
+              <a:ext uri="{FF2B5EF4-FFF2-40B4-BE49-F238E27FC236}">
+                <a16:creationId xmlns:a16="http://schemas.microsoft.com/office/drawing/2014/main" id="{7FDF5DF5-C104-428E-B0A4-7B36D8285ED3}"/>
+              </a:ext>
+            </a:extLst>
+          </p:cNvPr>
+          <p:cNvCxnSpPr>
+            <a:stCxn id="100" idx="1"/>
+            <a:endCxn id="124" idx="3"/>
+          </p:cNvCxnSpPr>
+          <p:nvPr/>
+        </p:nvCxnSpPr>
+        <p:spPr>
+          <a:xfrm flipH="1">
+            <a:off x="6899828" y="953215"/>
+            <a:ext cx="1915598" cy="301741"/>
+          </a:xfrm>
+          <a:prstGeom prst="straightConnector1">
+            <a:avLst/>
+          </a:prstGeom>
+          <a:ln>
+            <a:tailEnd type="triangle"/>
+          </a:ln>
+        </p:spPr>
+        <p:style>
+          <a:lnRef idx="1">
+            <a:schemeClr val="accent1"/>
+          </a:lnRef>
+          <a:fillRef idx="0">
+            <a:schemeClr val="accent1"/>
+          </a:fillRef>
+          <a:effectRef idx="0">
+            <a:schemeClr val="accent1"/>
+          </a:effectRef>
+          <a:fontRef idx="minor">
+            <a:schemeClr val="tx1"/>
+          </a:fontRef>
+        </p:style>
+      </p:cxnSp>
+      <p:cxnSp>
+        <p:nvCxnSpPr>
+          <p:cNvPr id="22" name="Straight Arrow Connector 21">
+            <a:extLst>
+              <a:ext uri="{FF2B5EF4-FFF2-40B4-BE49-F238E27FC236}">
+                <a16:creationId xmlns:a16="http://schemas.microsoft.com/office/drawing/2014/main" id="{48B9D13F-99E6-47B1-A9C2-F0F3212C2848}"/>
+              </a:ext>
+            </a:extLst>
+          </p:cNvPr>
+          <p:cNvCxnSpPr>
+            <a:stCxn id="109" idx="1"/>
+            <a:endCxn id="124" idx="3"/>
+          </p:cNvCxnSpPr>
+          <p:nvPr/>
+        </p:nvCxnSpPr>
+        <p:spPr>
+          <a:xfrm flipH="1" flipV="1">
+            <a:off x="6899828" y="1254956"/>
+            <a:ext cx="1915597" cy="1177125"/>
+          </a:xfrm>
+          <a:prstGeom prst="straightConnector1">
+            <a:avLst/>
+          </a:prstGeom>
+          <a:ln>
+            <a:tailEnd type="triangle"/>
+          </a:ln>
+        </p:spPr>
+        <p:style>
+          <a:lnRef idx="1">
+            <a:schemeClr val="accent1"/>
+          </a:lnRef>
+          <a:fillRef idx="0">
+            <a:schemeClr val="accent1"/>
+          </a:fillRef>
+          <a:effectRef idx="0">
+            <a:schemeClr val="accent1"/>
+          </a:effectRef>
+          <a:fontRef idx="minor">
+            <a:schemeClr val="tx1"/>
+          </a:fontRef>
+        </p:style>
+      </p:cxnSp>
     </p:spTree>
     <p:extLst>
       <p:ext uri="{BB962C8B-B14F-4D97-AF65-F5344CB8AC3E}">
